--- a/apresentação/ApresentacaoTCC.pptx
+++ b/apresentação/ApresentacaoTCC.pptx
@@ -23,8 +23,8 @@
     <p:sldId id="270" r:id="rId14"/>
     <p:sldId id="271" r:id="rId15"/>
     <p:sldId id="272" r:id="rId16"/>
-    <p:sldId id="266" r:id="rId17"/>
-    <p:sldId id="265" r:id="rId18"/>
+    <p:sldId id="265" r:id="rId17"/>
+    <p:sldId id="273" r:id="rId18"/>
   </p:sldIdLst>
   <p:sldSz cx="12192000" cy="6858000"/>
   <p:notesSz cx="6858000" cy="9144000"/>
@@ -225,7 +225,7 @@
           <a:p>
             <a:fld id="{A87041EA-09B1-415B-B149-A7E97EB4F0AA}" type="datetimeFigureOut">
               <a:rPr lang="pt-BR" smtClean="0"/>
-              <a:t>02/12/2017</a:t>
+              <a:t>04/12/2017</a:t>
             </a:fld>
             <a:endParaRPr lang="pt-BR"/>
           </a:p>
@@ -1517,6 +1517,102 @@
 </p:notes>
 </file>
 
+<file path=ppt/notesSlides/notesSlide8.xml><?xml version="1.0" encoding="utf-8"?>
+<p:notes xmlns:a="http://schemas.openxmlformats.org/drawingml/2006/main" xmlns:r="http://schemas.openxmlformats.org/officeDocument/2006/relationships" xmlns:p="http://schemas.openxmlformats.org/presentationml/2006/main">
+  <p:cSld>
+    <p:spTree>
+      <p:nvGrpSpPr>
+        <p:cNvPr id="1" name=""/>
+        <p:cNvGrpSpPr/>
+        <p:nvPr/>
+      </p:nvGrpSpPr>
+      <p:grpSpPr>
+        <a:xfrm>
+          <a:off x="0" y="0"/>
+          <a:ext cx="0" cy="0"/>
+          <a:chOff x="0" y="0"/>
+          <a:chExt cx="0" cy="0"/>
+        </a:xfrm>
+      </p:grpSpPr>
+      <p:sp>
+        <p:nvSpPr>
+          <p:cNvPr id="2" name="Espaço Reservado para Imagem de Slide 1"/>
+          <p:cNvSpPr>
+            <a:spLocks noGrp="1" noRot="1" noChangeAspect="1"/>
+          </p:cNvSpPr>
+          <p:nvPr>
+            <p:ph type="sldImg"/>
+          </p:nvPr>
+        </p:nvSpPr>
+        <p:spPr/>
+      </p:sp>
+      <p:sp>
+        <p:nvSpPr>
+          <p:cNvPr id="3" name="Espaço Reservado para Anotações 2"/>
+          <p:cNvSpPr>
+            <a:spLocks noGrp="1"/>
+          </p:cNvSpPr>
+          <p:nvPr>
+            <p:ph type="body" idx="1"/>
+          </p:nvPr>
+        </p:nvSpPr>
+        <p:spPr/>
+        <p:txBody>
+          <a:bodyPr/>
+          <a:lstStyle/>
+          <a:p>
+            <a:r>
+              <a:rPr lang="pt-BR" sz="1200" kern="1200" dirty="0" smtClean="0">
+                <a:solidFill>
+                  <a:schemeClr val="tx1"/>
+                </a:solidFill>
+                <a:effectLst/>
+                <a:latin typeface="+mn-lt"/>
+                <a:ea typeface="+mn-ea"/>
+                <a:cs typeface="+mn-cs"/>
+              </a:rPr>
+              <a:t> O principal objetivo é promover o ensino da ciência da computação básica em escolas </a:t>
+            </a:r>
+            <a:endParaRPr lang="pt-BR" dirty="0"/>
+          </a:p>
+        </p:txBody>
+      </p:sp>
+      <p:sp>
+        <p:nvSpPr>
+          <p:cNvPr id="4" name="Espaço Reservado para Número de Slide 3"/>
+          <p:cNvSpPr>
+            <a:spLocks noGrp="1"/>
+          </p:cNvSpPr>
+          <p:nvPr>
+            <p:ph type="sldNum" sz="quarter" idx="10"/>
+          </p:nvPr>
+        </p:nvSpPr>
+        <p:spPr/>
+        <p:txBody>
+          <a:bodyPr/>
+          <a:lstStyle/>
+          <a:p>
+            <a:fld id="{F48DCDC8-29D4-4376-B1C7-67980C84428E}" type="slidenum">
+              <a:rPr lang="pt-BR" smtClean="0"/>
+              <a:t>16</a:t>
+            </a:fld>
+            <a:endParaRPr lang="pt-BR"/>
+          </a:p>
+        </p:txBody>
+      </p:sp>
+    </p:spTree>
+    <p:extLst>
+      <p:ext uri="{BB962C8B-B14F-4D97-AF65-F5344CB8AC3E}">
+        <p14:creationId xmlns:p14="http://schemas.microsoft.com/office/powerpoint/2010/main" val="4205157527"/>
+      </p:ext>
+    </p:extLst>
+  </p:cSld>
+  <p:clrMapOvr>
+    <a:masterClrMapping/>
+  </p:clrMapOvr>
+</p:notes>
+</file>
+
 <file path=ppt/slideLayouts/slideLayout1.xml><?xml version="1.0" encoding="utf-8"?>
 <p:sldLayout xmlns:a="http://schemas.openxmlformats.org/drawingml/2006/main" xmlns:r="http://schemas.openxmlformats.org/officeDocument/2006/relationships" xmlns:p="http://schemas.openxmlformats.org/presentationml/2006/main" type="title" preserve="1">
   <p:cSld name="Slide de Título">
@@ -1648,7 +1744,7 @@
           <a:p>
             <a:fld id="{F1B46713-EEC7-41C3-A995-44E3FF25267E}" type="datetimeFigureOut">
               <a:rPr lang="pt-BR" smtClean="0"/>
-              <a:t>02/12/2017</a:t>
+              <a:t>04/12/2017</a:t>
             </a:fld>
             <a:endParaRPr lang="pt-BR"/>
           </a:p>
@@ -1818,7 +1914,7 @@
           <a:p>
             <a:fld id="{F1B46713-EEC7-41C3-A995-44E3FF25267E}" type="datetimeFigureOut">
               <a:rPr lang="pt-BR" smtClean="0"/>
-              <a:t>02/12/2017</a:t>
+              <a:t>04/12/2017</a:t>
             </a:fld>
             <a:endParaRPr lang="pt-BR"/>
           </a:p>
@@ -1998,7 +2094,7 @@
           <a:p>
             <a:fld id="{F1B46713-EEC7-41C3-A995-44E3FF25267E}" type="datetimeFigureOut">
               <a:rPr lang="pt-BR" smtClean="0"/>
-              <a:t>02/12/2017</a:t>
+              <a:t>04/12/2017</a:t>
             </a:fld>
             <a:endParaRPr lang="pt-BR"/>
           </a:p>
@@ -2168,7 +2264,7 @@
           <a:p>
             <a:fld id="{F1B46713-EEC7-41C3-A995-44E3FF25267E}" type="datetimeFigureOut">
               <a:rPr lang="pt-BR" smtClean="0"/>
-              <a:t>02/12/2017</a:t>
+              <a:t>04/12/2017</a:t>
             </a:fld>
             <a:endParaRPr lang="pt-BR"/>
           </a:p>
@@ -2414,7 +2510,7 @@
           <a:p>
             <a:fld id="{F1B46713-EEC7-41C3-A995-44E3FF25267E}" type="datetimeFigureOut">
               <a:rPr lang="pt-BR" smtClean="0"/>
-              <a:t>02/12/2017</a:t>
+              <a:t>04/12/2017</a:t>
             </a:fld>
             <a:endParaRPr lang="pt-BR"/>
           </a:p>
@@ -2646,7 +2742,7 @@
           <a:p>
             <a:fld id="{F1B46713-EEC7-41C3-A995-44E3FF25267E}" type="datetimeFigureOut">
               <a:rPr lang="pt-BR" smtClean="0"/>
-              <a:t>02/12/2017</a:t>
+              <a:t>04/12/2017</a:t>
             </a:fld>
             <a:endParaRPr lang="pt-BR"/>
           </a:p>
@@ -3013,7 +3109,7 @@
           <a:p>
             <a:fld id="{F1B46713-EEC7-41C3-A995-44E3FF25267E}" type="datetimeFigureOut">
               <a:rPr lang="pt-BR" smtClean="0"/>
-              <a:t>02/12/2017</a:t>
+              <a:t>04/12/2017</a:t>
             </a:fld>
             <a:endParaRPr lang="pt-BR"/>
           </a:p>
@@ -3131,7 +3227,7 @@
           <a:p>
             <a:fld id="{F1B46713-EEC7-41C3-A995-44E3FF25267E}" type="datetimeFigureOut">
               <a:rPr lang="pt-BR" smtClean="0"/>
-              <a:t>02/12/2017</a:t>
+              <a:t>04/12/2017</a:t>
             </a:fld>
             <a:endParaRPr lang="pt-BR"/>
           </a:p>
@@ -3226,7 +3322,7 @@
           <a:p>
             <a:fld id="{F1B46713-EEC7-41C3-A995-44E3FF25267E}" type="datetimeFigureOut">
               <a:rPr lang="pt-BR" smtClean="0"/>
-              <a:t>02/12/2017</a:t>
+              <a:t>04/12/2017</a:t>
             </a:fld>
             <a:endParaRPr lang="pt-BR"/>
           </a:p>
@@ -3503,7 +3599,7 @@
           <a:p>
             <a:fld id="{F1B46713-EEC7-41C3-A995-44E3FF25267E}" type="datetimeFigureOut">
               <a:rPr lang="pt-BR" smtClean="0"/>
-              <a:t>02/12/2017</a:t>
+              <a:t>04/12/2017</a:t>
             </a:fld>
             <a:endParaRPr lang="pt-BR"/>
           </a:p>
@@ -3756,7 +3852,7 @@
           <a:p>
             <a:fld id="{F1B46713-EEC7-41C3-A995-44E3FF25267E}" type="datetimeFigureOut">
               <a:rPr lang="pt-BR" smtClean="0"/>
-              <a:t>02/12/2017</a:t>
+              <a:t>04/12/2017</a:t>
             </a:fld>
             <a:endParaRPr lang="pt-BR"/>
           </a:p>
@@ -3969,7 +4065,7 @@
           <a:p>
             <a:fld id="{F1B46713-EEC7-41C3-A995-44E3FF25267E}" type="datetimeFigureOut">
               <a:rPr lang="pt-BR" smtClean="0"/>
-              <a:t>02/12/2017</a:t>
+              <a:t>04/12/2017</a:t>
             </a:fld>
             <a:endParaRPr lang="pt-BR"/>
           </a:p>
@@ -4656,7 +4752,19 @@
             <a:pPr lvl="1"/>
             <a:r>
               <a:rPr lang="pt-BR" dirty="0" smtClean="0"/>
-              <a:t>Sistema de evaporação, ar secundário</a:t>
+              <a:t>Sistemas </a:t>
+            </a:r>
+            <a:r>
+              <a:rPr lang="pt-BR" dirty="0" smtClean="0"/>
+              <a:t>de </a:t>
+            </a:r>
+            <a:r>
+              <a:rPr lang="pt-BR" dirty="0" smtClean="0"/>
+              <a:t>evaporação e </a:t>
+            </a:r>
+            <a:r>
+              <a:rPr lang="pt-BR" dirty="0" smtClean="0"/>
+              <a:t>ar secundário</a:t>
             </a:r>
           </a:p>
           <a:p>
@@ -4716,6 +4824,13 @@
   <p:clrMapOvr>
     <a:masterClrMapping/>
   </p:clrMapOvr>
+  <p:timing>
+    <p:tnLst>
+      <p:par>
+        <p:cTn id="1" dur="indefinite" restart="never" nodeType="tmRoot"/>
+      </p:par>
+    </p:tnLst>
+  </p:timing>
 </p:sld>
 </file>
 
@@ -4814,22 +4929,14 @@
             <a:pPr lvl="1"/>
             <a:r>
               <a:rPr lang="pt-BR" sz="3000" dirty="0" smtClean="0"/>
-              <a:t>RS232: </a:t>
-            </a:r>
+              <a:t>RS232: porta serial </a:t>
+            </a:r>
+          </a:p>
+          <a:p>
+            <a:pPr lvl="1"/>
             <a:r>
               <a:rPr lang="pt-BR" sz="3000" dirty="0" smtClean="0"/>
-              <a:t>porta serial </a:t>
-            </a:r>
-          </a:p>
-          <a:p>
-            <a:pPr lvl="1"/>
-            <a:r>
-              <a:rPr lang="pt-BR" sz="3000" dirty="0" smtClean="0"/>
-              <a:t>Universal </a:t>
-            </a:r>
-            <a:r>
-              <a:rPr lang="pt-BR" sz="3000" dirty="0" smtClean="0"/>
-              <a:t>Serial Bus (USB)</a:t>
+              <a:t>Universal Serial Bus (USB)</a:t>
             </a:r>
           </a:p>
           <a:p>
@@ -4885,6 +4992,13 @@
   <p:clrMapOvr>
     <a:masterClrMapping/>
   </p:clrMapOvr>
+  <p:timing>
+    <p:tnLst>
+      <p:par>
+        <p:cTn id="1" dur="indefinite" restart="never" nodeType="tmRoot"/>
+      </p:par>
+    </p:tnLst>
+  </p:timing>
 </p:sld>
 </file>
 
@@ -5033,6 +5147,13 @@
   <p:clrMapOvr>
     <a:masterClrMapping/>
   </p:clrMapOvr>
+  <p:timing>
+    <p:tnLst>
+      <p:par>
+        <p:cTn id="1" dur="indefinite" restart="never" nodeType="tmRoot"/>
+      </p:par>
+    </p:tnLst>
+  </p:timing>
 </p:sld>
 </file>
 
@@ -5086,7 +5207,7 @@
             <p:ph idx="1"/>
             <p:extLst>
               <p:ext uri="{D42A27DB-BD31-4B8C-83A1-F6EECF244321}">
-                <p14:modId xmlns:p14="http://schemas.microsoft.com/office/powerpoint/2010/main" val="1866327691"/>
+                <p14:modId xmlns:p14="http://schemas.microsoft.com/office/powerpoint/2010/main" val="3875145738"/>
               </p:ext>
             </p:extLst>
           </p:nvPr>
@@ -5945,16 +6066,22 @@
                         <a:buChar char="•"/>
                       </a:pPr>
                       <a:r>
-                        <a:rPr lang="pt-BR" sz="2400" dirty="0" err="1" smtClean="0">
+                        <a:rPr lang="pt-BR" sz="2400" dirty="0" smtClean="0">
                           <a:effectLst/>
                         </a:rPr>
-                        <a:t>Cominicação</a:t>
+                        <a:t>Comunicação</a:t>
                       </a:r>
                       <a:r>
                         <a:rPr lang="pt-BR" sz="2400" baseline="0" dirty="0" smtClean="0">
                           <a:effectLst/>
                         </a:rPr>
-                        <a:t> assíncrona (</a:t>
+                        <a:t> </a:t>
+                      </a:r>
+                      <a:r>
+                        <a:rPr lang="pt-BR" sz="2400" baseline="0" dirty="0" smtClean="0">
+                          <a:effectLst/>
+                        </a:rPr>
+                        <a:t>assíncrona (</a:t>
                       </a:r>
                       <a:r>
                         <a:rPr lang="pt-BR" sz="2400" dirty="0" smtClean="0">
@@ -6552,6 +6679,13 @@
   <p:clrMapOvr>
     <a:masterClrMapping/>
   </p:clrMapOvr>
+  <p:timing>
+    <p:tnLst>
+      <p:par>
+        <p:cTn id="1" dur="indefinite" restart="never" nodeType="tmRoot"/>
+      </p:par>
+    </p:tnLst>
+  </p:timing>
 </p:sld>
 </file>
 
@@ -6617,7 +6751,15 @@
           <a:p>
             <a:r>
               <a:rPr lang="pt-BR" dirty="0" smtClean="0"/>
-              <a:t>Disponibilizam de maneira organizada os dados da ECU</a:t>
+              <a:t>Disponibilizam </a:t>
+            </a:r>
+            <a:r>
+              <a:rPr lang="pt-BR" dirty="0" smtClean="0"/>
+              <a:t>os </a:t>
+            </a:r>
+            <a:r>
+              <a:rPr lang="pt-BR" dirty="0" smtClean="0"/>
+              <a:t>dados da ECU</a:t>
             </a:r>
           </a:p>
           <a:p>
@@ -7290,6 +7432,13 @@
   <p:clrMapOvr>
     <a:masterClrMapping/>
   </p:clrMapOvr>
+  <p:timing>
+    <p:tnLst>
+      <p:par>
+        <p:cTn id="1" dur="indefinite" restart="never" nodeType="tmRoot"/>
+      </p:par>
+    </p:tnLst>
+  </p:timing>
 </p:sld>
 </file>
 
@@ -7353,22 +7502,94 @@
           </a:p>
         </p:txBody>
       </p:sp>
-      <p:sp>
-        <p:nvSpPr>
-          <p:cNvPr id="3" name="Espaço Reservado para Conteúdo 2"/>
-          <p:cNvSpPr>
-            <a:spLocks noGrp="1"/>
-          </p:cNvSpPr>
-          <p:nvPr>
-            <p:ph idx="1"/>
-          </p:nvPr>
-        </p:nvSpPr>
-        <p:spPr/>
-        <p:txBody>
-          <a:bodyPr/>
-          <a:lstStyle/>
-          <a:p>
-            <a:endParaRPr lang="pt-BR" dirty="0"/>
+      <p:pic>
+        <p:nvPicPr>
+          <p:cNvPr id="4" name="Imagem 3"/>
+          <p:cNvPicPr>
+            <a:picLocks noChangeAspect="1"/>
+          </p:cNvPicPr>
+          <p:nvPr/>
+        </p:nvPicPr>
+        <p:blipFill>
+          <a:blip r:embed="rId2"/>
+          <a:stretch>
+            <a:fillRect/>
+          </a:stretch>
+        </p:blipFill>
+        <p:spPr>
+          <a:xfrm>
+            <a:off x="0" y="1407918"/>
+            <a:ext cx="8236181" cy="4634536"/>
+          </a:xfrm>
+          <a:prstGeom prst="rect">
+            <a:avLst/>
+          </a:prstGeom>
+        </p:spPr>
+      </p:pic>
+      <p:pic>
+        <p:nvPicPr>
+          <p:cNvPr id="7" name="Imagem 6"/>
+          <p:cNvPicPr>
+            <a:picLocks noChangeAspect="1"/>
+          </p:cNvPicPr>
+          <p:nvPr/>
+        </p:nvPicPr>
+        <p:blipFill>
+          <a:blip r:embed="rId3"/>
+          <a:stretch>
+            <a:fillRect/>
+          </a:stretch>
+        </p:blipFill>
+        <p:spPr>
+          <a:xfrm>
+            <a:off x="7119647" y="1468073"/>
+            <a:ext cx="5072353" cy="3724146"/>
+          </a:xfrm>
+          <a:prstGeom prst="rect">
+            <a:avLst/>
+          </a:prstGeom>
+        </p:spPr>
+      </p:pic>
+      <p:sp>
+        <p:nvSpPr>
+          <p:cNvPr id="10" name="Seta para a Direita 9"/>
+          <p:cNvSpPr/>
+          <p:nvPr/>
+        </p:nvSpPr>
+        <p:spPr>
+          <a:xfrm>
+            <a:off x="6689314" y="3039762"/>
+            <a:ext cx="749454" cy="617837"/>
+          </a:xfrm>
+          <a:prstGeom prst="rightArrow">
+            <a:avLst/>
+          </a:prstGeom>
+          <a:solidFill>
+            <a:schemeClr val="accent6"/>
+          </a:solidFill>
+        </p:spPr>
+        <p:style>
+          <a:lnRef idx="2">
+            <a:schemeClr val="accent1">
+              <a:shade val="50000"/>
+            </a:schemeClr>
+          </a:lnRef>
+          <a:fillRef idx="1">
+            <a:schemeClr val="accent1"/>
+          </a:fillRef>
+          <a:effectRef idx="0">
+            <a:schemeClr val="accent1"/>
+          </a:effectRef>
+          <a:fontRef idx="minor">
+            <a:schemeClr val="lt1"/>
+          </a:fontRef>
+        </p:style>
+        <p:txBody>
+          <a:bodyPr rtlCol="0" anchor="ctr"/>
+          <a:lstStyle/>
+          <a:p>
+            <a:pPr algn="ctr"/>
+            <a:endParaRPr lang="pt-BR"/>
           </a:p>
         </p:txBody>
       </p:sp>
@@ -7382,6 +7603,13 @@
   <p:clrMapOvr>
     <a:masterClrMapping/>
   </p:clrMapOvr>
+  <p:timing>
+    <p:tnLst>
+      <p:par>
+        <p:cTn id="1" dur="indefinite" restart="never" nodeType="tmRoot"/>
+      </p:par>
+    </p:tnLst>
+  </p:timing>
 </p:sld>
 </file>
 
@@ -7418,61 +7646,8 @@
           <a:lstStyle/>
           <a:p>
             <a:r>
-              <a:rPr lang="pt-BR" dirty="0" smtClean="0"/>
-              <a:t>OBD</a:t>
-            </a:r>
-            <a:endParaRPr lang="pt-BR" dirty="0"/>
-          </a:p>
-        </p:txBody>
-      </p:sp>
-      <p:sp>
-        <p:nvSpPr>
-          <p:cNvPr id="3" name="Espaço Reservado para Conteúdo 2"/>
-          <p:cNvSpPr>
-            <a:spLocks noGrp="1"/>
-          </p:cNvSpPr>
-          <p:nvPr>
-            <p:ph idx="1"/>
-          </p:nvPr>
-        </p:nvSpPr>
-        <p:spPr/>
-        <p:txBody>
-          <a:bodyPr/>
-          <a:lstStyle/>
-          <a:p>
-            <a:r>
-              <a:rPr lang="pt-BR" dirty="0" smtClean="0"/>
-              <a:t>OBD1</a:t>
-            </a:r>
-          </a:p>
-          <a:p>
-            <a:r>
-              <a:rPr lang="pt-BR" dirty="0" smtClean="0"/>
-              <a:t>OBD2</a:t>
-            </a:r>
-          </a:p>
-          <a:p>
-            <a:r>
-              <a:rPr lang="pt-BR" dirty="0" smtClean="0"/>
-              <a:t>Adaptadores ELM327</a:t>
-            </a:r>
-          </a:p>
-          <a:p>
-            <a:r>
-              <a:rPr lang="pt-BR" dirty="0" smtClean="0"/>
-              <a:t>Protocolos de comunicação</a:t>
-            </a:r>
-          </a:p>
-          <a:p>
-            <a:r>
-              <a:rPr lang="pt-BR" dirty="0" smtClean="0"/>
-              <a:t>Serviços de diagnóstico</a:t>
-            </a:r>
-          </a:p>
-          <a:p>
-            <a:r>
               <a:rPr lang="pt-BR" dirty="0" err="1" smtClean="0"/>
-              <a:t>Diagnostic</a:t>
+              <a:t>Raspberry</a:t>
             </a:r>
             <a:r>
               <a:rPr lang="pt-BR" dirty="0" smtClean="0"/>
@@ -7480,33 +7655,125 @@
             </a:r>
             <a:r>
               <a:rPr lang="pt-BR" dirty="0" err="1" smtClean="0"/>
-              <a:t>Trouble</a:t>
-            </a:r>
-            <a:r>
-              <a:rPr lang="pt-BR" dirty="0" smtClean="0"/>
-              <a:t> </a:t>
-            </a:r>
-            <a:r>
-              <a:rPr lang="pt-BR" dirty="0" err="1" smtClean="0"/>
-              <a:t>Code</a:t>
-            </a:r>
-            <a:r>
-              <a:rPr lang="pt-BR" dirty="0" smtClean="0"/>
-              <a:t> (DTC)</a:t>
-            </a:r>
-          </a:p>
-        </p:txBody>
-      </p:sp>
+              <a:t>Pi</a:t>
+            </a:r>
+            <a:endParaRPr lang="pt-BR" dirty="0"/>
+          </a:p>
+        </p:txBody>
+      </p:sp>
+      <p:pic>
+        <p:nvPicPr>
+          <p:cNvPr id="6" name="Imagem 5"/>
+          <p:cNvPicPr>
+            <a:picLocks noChangeAspect="1"/>
+          </p:cNvPicPr>
+          <p:nvPr/>
+        </p:nvPicPr>
+        <p:blipFill>
+          <a:blip r:embed="rId3"/>
+          <a:stretch>
+            <a:fillRect/>
+          </a:stretch>
+        </p:blipFill>
+        <p:spPr>
+          <a:xfrm>
+            <a:off x="838200" y="1438455"/>
+            <a:ext cx="10606482" cy="3281826"/>
+          </a:xfrm>
+          <a:prstGeom prst="rect">
+            <a:avLst/>
+          </a:prstGeom>
+        </p:spPr>
+      </p:pic>
+      <p:pic>
+        <p:nvPicPr>
+          <p:cNvPr id="9" name="Imagem 8"/>
+          <p:cNvPicPr>
+            <a:picLocks noChangeAspect="1"/>
+          </p:cNvPicPr>
+          <p:nvPr/>
+        </p:nvPicPr>
+        <p:blipFill>
+          <a:blip r:embed="rId4"/>
+          <a:stretch>
+            <a:fillRect/>
+          </a:stretch>
+        </p:blipFill>
+        <p:spPr>
+          <a:xfrm>
+            <a:off x="375088" y="4718242"/>
+            <a:ext cx="3467864" cy="2117611"/>
+          </a:xfrm>
+          <a:prstGeom prst="rect">
+            <a:avLst/>
+          </a:prstGeom>
+        </p:spPr>
+      </p:pic>
+      <p:pic>
+        <p:nvPicPr>
+          <p:cNvPr id="10" name="Imagem 9"/>
+          <p:cNvPicPr>
+            <a:picLocks noChangeAspect="1"/>
+          </p:cNvPicPr>
+          <p:nvPr/>
+        </p:nvPicPr>
+        <p:blipFill>
+          <a:blip r:embed="rId5"/>
+          <a:stretch>
+            <a:fillRect/>
+          </a:stretch>
+        </p:blipFill>
+        <p:spPr>
+          <a:xfrm>
+            <a:off x="4919942" y="4740389"/>
+            <a:ext cx="3217087" cy="1949750"/>
+          </a:xfrm>
+          <a:prstGeom prst="rect">
+            <a:avLst/>
+          </a:prstGeom>
+        </p:spPr>
+      </p:pic>
+      <p:pic>
+        <p:nvPicPr>
+          <p:cNvPr id="13" name="Imagem 12"/>
+          <p:cNvPicPr>
+            <a:picLocks noChangeAspect="1"/>
+          </p:cNvPicPr>
+          <p:nvPr/>
+        </p:nvPicPr>
+        <p:blipFill>
+          <a:blip r:embed="rId6"/>
+          <a:stretch>
+            <a:fillRect/>
+          </a:stretch>
+        </p:blipFill>
+        <p:spPr>
+          <a:xfrm>
+            <a:off x="9798908" y="5144327"/>
+            <a:ext cx="1935892" cy="1141874"/>
+          </a:xfrm>
+          <a:prstGeom prst="rect">
+            <a:avLst/>
+          </a:prstGeom>
+        </p:spPr>
+      </p:pic>
     </p:spTree>
     <p:extLst>
       <p:ext uri="{BB962C8B-B14F-4D97-AF65-F5344CB8AC3E}">
-        <p14:creationId xmlns:p14="http://schemas.microsoft.com/office/powerpoint/2010/main" val="1293463466"/>
+        <p14:creationId xmlns:p14="http://schemas.microsoft.com/office/powerpoint/2010/main" val="3732760082"/>
       </p:ext>
     </p:extLst>
   </p:cSld>
   <p:clrMapOvr>
     <a:masterClrMapping/>
   </p:clrMapOvr>
+  <p:timing>
+    <p:tnLst>
+      <p:par>
+        <p:cTn id="1" dur="indefinite" restart="never" nodeType="tmRoot"/>
+      </p:par>
+    </p:tnLst>
+  </p:timing>
 </p:sld>
 </file>
 
@@ -7534,7 +7801,7 @@
             <a:spLocks noGrp="1"/>
           </p:cNvSpPr>
           <p:nvPr>
-            <p:ph type="title"/>
+            <p:ph type="ctrTitle"/>
           </p:nvPr>
         </p:nvSpPr>
         <p:spPr/>
@@ -7542,39 +7809,135 @@
           <a:bodyPr/>
           <a:lstStyle/>
           <a:p>
-            <a:endParaRPr lang="pt-BR"/>
-          </a:p>
-        </p:txBody>
-      </p:sp>
-      <p:sp>
-        <p:nvSpPr>
-          <p:cNvPr id="3" name="Espaço Reservado para Conteúdo 2"/>
-          <p:cNvSpPr>
-            <a:spLocks noGrp="1"/>
-          </p:cNvSpPr>
-          <p:nvPr>
-            <p:ph idx="1"/>
-          </p:nvPr>
-        </p:nvSpPr>
-        <p:spPr/>
-        <p:txBody>
-          <a:bodyPr/>
-          <a:lstStyle/>
-          <a:p>
-            <a:endParaRPr lang="pt-BR"/>
+            <a:r>
+              <a:rPr lang="pt-BR" dirty="0" smtClean="0"/>
+              <a:t>Trabalhos Correlatos e Ferramentas Atuais</a:t>
+            </a:r>
+            <a:endParaRPr lang="pt-BR" dirty="0"/>
+          </a:p>
+        </p:txBody>
+      </p:sp>
+      <p:sp>
+        <p:nvSpPr>
+          <p:cNvPr id="3" name="Subtítulo 2"/>
+          <p:cNvSpPr>
+            <a:spLocks noGrp="1"/>
+          </p:cNvSpPr>
+          <p:nvPr>
+            <p:ph type="subTitle" idx="1"/>
+          </p:nvPr>
+        </p:nvSpPr>
+        <p:spPr>
+          <a:xfrm>
+            <a:off x="4540593" y="3725606"/>
+            <a:ext cx="3110814" cy="1655762"/>
+          </a:xfrm>
+        </p:spPr>
+        <p:txBody>
+          <a:bodyPr>
+            <a:normAutofit fontScale="77500" lnSpcReduction="20000"/>
+          </a:bodyPr>
+          <a:lstStyle/>
+          <a:p>
+            <a:pPr marL="342900" indent="-342900" algn="l">
+              <a:buFont typeface="Wingdings" panose="05000000000000000000" pitchFamily="2" charset="2"/>
+              <a:buChar char="§"/>
+            </a:pPr>
+            <a:r>
+              <a:rPr lang="pt-BR" dirty="0" smtClean="0"/>
+              <a:t>Internet das Coisas (</a:t>
+            </a:r>
+            <a:r>
+              <a:rPr lang="pt-BR" dirty="0" err="1" smtClean="0"/>
+              <a:t>IoT</a:t>
+            </a:r>
+            <a:r>
+              <a:rPr lang="pt-BR" dirty="0" smtClean="0"/>
+              <a:t>)</a:t>
+            </a:r>
+          </a:p>
+          <a:p>
+            <a:pPr marL="342900" indent="-342900" algn="l">
+              <a:buFont typeface="Wingdings" panose="05000000000000000000" pitchFamily="2" charset="2"/>
+              <a:buChar char="§"/>
+            </a:pPr>
+            <a:r>
+              <a:rPr lang="pt-BR" dirty="0" err="1" smtClean="0"/>
+              <a:t>OnBoard</a:t>
+            </a:r>
+            <a:r>
+              <a:rPr lang="pt-BR" dirty="0" smtClean="0"/>
+              <a:t> </a:t>
+            </a:r>
+            <a:r>
+              <a:rPr lang="pt-BR" dirty="0" err="1" smtClean="0"/>
+              <a:t>Diagnostic</a:t>
+            </a:r>
+            <a:r>
+              <a:rPr lang="pt-BR" dirty="0" smtClean="0"/>
+              <a:t> (OBD)</a:t>
+            </a:r>
+            <a:endParaRPr lang="pt-BR" dirty="0"/>
+          </a:p>
+          <a:p>
+            <a:pPr marL="342900" indent="-342900" algn="l">
+              <a:buFont typeface="Wingdings" panose="05000000000000000000" pitchFamily="2" charset="2"/>
+              <a:buChar char="§"/>
+            </a:pPr>
+            <a:r>
+              <a:rPr lang="pt-BR" dirty="0" err="1" smtClean="0"/>
+              <a:t>Raspberry</a:t>
+            </a:r>
+            <a:r>
+              <a:rPr lang="pt-BR" dirty="0" smtClean="0"/>
+              <a:t> </a:t>
+            </a:r>
+            <a:r>
+              <a:rPr lang="pt-BR" dirty="0" err="1" smtClean="0"/>
+              <a:t>Pi</a:t>
+            </a:r>
+            <a:endParaRPr lang="pt-BR" dirty="0"/>
+          </a:p>
+          <a:p>
+            <a:pPr marL="342900" indent="-342900" algn="l">
+              <a:buFont typeface="Wingdings" panose="05000000000000000000" pitchFamily="2" charset="2"/>
+              <a:buChar char="§"/>
+            </a:pPr>
+            <a:r>
+              <a:rPr lang="pt-BR" dirty="0" smtClean="0"/>
+              <a:t>Trabalhos Correlatos</a:t>
+            </a:r>
+          </a:p>
+          <a:p>
+            <a:pPr marL="342900" indent="-342900" algn="l">
+              <a:buFont typeface="Wingdings" panose="05000000000000000000" pitchFamily="2" charset="2"/>
+              <a:buChar char="§"/>
+            </a:pPr>
+            <a:r>
+              <a:rPr lang="pt-BR" dirty="0" smtClean="0"/>
+              <a:t>Ferramentas Atuais</a:t>
+            </a:r>
+            <a:endParaRPr lang="pt-BR" dirty="0"/>
           </a:p>
         </p:txBody>
       </p:sp>
     </p:spTree>
     <p:extLst>
       <p:ext uri="{BB962C8B-B14F-4D97-AF65-F5344CB8AC3E}">
-        <p14:creationId xmlns:p14="http://schemas.microsoft.com/office/powerpoint/2010/main" val="3732760082"/>
+        <p14:creationId xmlns:p14="http://schemas.microsoft.com/office/powerpoint/2010/main" val="1984796477"/>
       </p:ext>
     </p:extLst>
   </p:cSld>
   <p:clrMapOvr>
     <a:masterClrMapping/>
   </p:clrMapOvr>
+  <p:timing>
+    <p:tnLst>
+      <p:par>
+        <p:cTn id="1" dur="indefinite" restart="never" nodeType="tmRoot"/>
+      </p:par>
+    </p:tnLst>
+  </p:timing>
 </p:sld>
 </file>
 
@@ -7969,7 +8332,6 @@
               <a:rPr lang="pt-BR" sz="3600" dirty="0" smtClean="0"/>
               <a:t>automóvel.</a:t>
             </a:r>
-            <a:endParaRPr lang="pt-BR" sz="3600" dirty="0" smtClean="0"/>
           </a:p>
           <a:p>
             <a:pPr marL="0" indent="0">
@@ -8188,6 +8550,13 @@
   <p:clrMapOvr>
     <a:masterClrMapping/>
   </p:clrMapOvr>
+  <p:timing>
+    <p:tnLst>
+      <p:par>
+        <p:cTn id="1" dur="indefinite" restart="never" nodeType="tmRoot"/>
+      </p:par>
+    </p:tnLst>
+  </p:timing>
 </p:sld>
 </file>
 
@@ -8345,6 +8714,13 @@
   <p:clrMapOvr>
     <a:masterClrMapping/>
   </p:clrMapOvr>
+  <p:timing>
+    <p:tnLst>
+      <p:par>
+        <p:cTn id="1" dur="indefinite" restart="never" nodeType="tmRoot"/>
+      </p:par>
+    </p:tnLst>
+  </p:timing>
 </p:sld>
 </file>
 
@@ -8479,6 +8855,13 @@
   <p:clrMapOvr>
     <a:masterClrMapping/>
   </p:clrMapOvr>
+  <p:timing>
+    <p:tnLst>
+      <p:par>
+        <p:cTn id="1" dur="indefinite" restart="never" nodeType="tmRoot"/>
+      </p:par>
+    </p:tnLst>
+  </p:timing>
 </p:sld>
 </file>
 
@@ -8634,6 +9017,13 @@
   <p:clrMapOvr>
     <a:masterClrMapping/>
   </p:clrMapOvr>
+  <p:timing>
+    <p:tnLst>
+      <p:par>
+        <p:cTn id="1" dur="indefinite" restart="never" nodeType="tmRoot"/>
+      </p:par>
+    </p:tnLst>
+  </p:timing>
 </p:sld>
 </file>
 
@@ -8787,6 +9177,13 @@
   <p:clrMapOvr>
     <a:masterClrMapping/>
   </p:clrMapOvr>
+  <p:timing>
+    <p:tnLst>
+      <p:par>
+        <p:cTn id="1" dur="indefinite" restart="never" nodeType="tmRoot"/>
+      </p:par>
+    </p:tnLst>
+  </p:timing>
 </p:sld>
 </file>
 

--- a/apresentação/ApresentacaoTCC.pptx
+++ b/apresentação/ApresentacaoTCC.pptx
@@ -5,7 +5,7 @@
     <p:sldMasterId id="2147483696" r:id="rId1"/>
   </p:sldMasterIdLst>
   <p:notesMasterIdLst>
-    <p:notesMasterId r:id="rId19"/>
+    <p:notesMasterId r:id="rId20"/>
   </p:notesMasterIdLst>
   <p:sldIdLst>
     <p:sldId id="256" r:id="rId2"/>
@@ -25,6 +25,7 @@
     <p:sldId id="272" r:id="rId16"/>
     <p:sldId id="265" r:id="rId17"/>
     <p:sldId id="273" r:id="rId18"/>
+    <p:sldId id="274" r:id="rId19"/>
   </p:sldIdLst>
   <p:sldSz cx="12192000" cy="6858000"/>
   <p:notesSz cx="6858000" cy="9144000"/>
@@ -225,7 +226,7 @@
           <a:p>
             <a:fld id="{A87041EA-09B1-415B-B149-A7E97EB4F0AA}" type="datetimeFigureOut">
               <a:rPr lang="pt-BR" smtClean="0"/>
-              <a:t>04/12/2017</a:t>
+              <a:t>05/12/2017</a:t>
             </a:fld>
             <a:endParaRPr lang="pt-BR"/>
           </a:p>
@@ -1744,7 +1745,7 @@
           <a:p>
             <a:fld id="{F1B46713-EEC7-41C3-A995-44E3FF25267E}" type="datetimeFigureOut">
               <a:rPr lang="pt-BR" smtClean="0"/>
-              <a:t>04/12/2017</a:t>
+              <a:t>05/12/2017</a:t>
             </a:fld>
             <a:endParaRPr lang="pt-BR"/>
           </a:p>
@@ -1914,7 +1915,7 @@
           <a:p>
             <a:fld id="{F1B46713-EEC7-41C3-A995-44E3FF25267E}" type="datetimeFigureOut">
               <a:rPr lang="pt-BR" smtClean="0"/>
-              <a:t>04/12/2017</a:t>
+              <a:t>05/12/2017</a:t>
             </a:fld>
             <a:endParaRPr lang="pt-BR"/>
           </a:p>
@@ -2094,7 +2095,7 @@
           <a:p>
             <a:fld id="{F1B46713-EEC7-41C3-A995-44E3FF25267E}" type="datetimeFigureOut">
               <a:rPr lang="pt-BR" smtClean="0"/>
-              <a:t>04/12/2017</a:t>
+              <a:t>05/12/2017</a:t>
             </a:fld>
             <a:endParaRPr lang="pt-BR"/>
           </a:p>
@@ -2264,7 +2265,7 @@
           <a:p>
             <a:fld id="{F1B46713-EEC7-41C3-A995-44E3FF25267E}" type="datetimeFigureOut">
               <a:rPr lang="pt-BR" smtClean="0"/>
-              <a:t>04/12/2017</a:t>
+              <a:t>05/12/2017</a:t>
             </a:fld>
             <a:endParaRPr lang="pt-BR"/>
           </a:p>
@@ -2510,7 +2511,7 @@
           <a:p>
             <a:fld id="{F1B46713-EEC7-41C3-A995-44E3FF25267E}" type="datetimeFigureOut">
               <a:rPr lang="pt-BR" smtClean="0"/>
-              <a:t>04/12/2017</a:t>
+              <a:t>05/12/2017</a:t>
             </a:fld>
             <a:endParaRPr lang="pt-BR"/>
           </a:p>
@@ -2742,7 +2743,7 @@
           <a:p>
             <a:fld id="{F1B46713-EEC7-41C3-A995-44E3FF25267E}" type="datetimeFigureOut">
               <a:rPr lang="pt-BR" smtClean="0"/>
-              <a:t>04/12/2017</a:t>
+              <a:t>05/12/2017</a:t>
             </a:fld>
             <a:endParaRPr lang="pt-BR"/>
           </a:p>
@@ -3109,7 +3110,7 @@
           <a:p>
             <a:fld id="{F1B46713-EEC7-41C3-A995-44E3FF25267E}" type="datetimeFigureOut">
               <a:rPr lang="pt-BR" smtClean="0"/>
-              <a:t>04/12/2017</a:t>
+              <a:t>05/12/2017</a:t>
             </a:fld>
             <a:endParaRPr lang="pt-BR"/>
           </a:p>
@@ -3227,7 +3228,7 @@
           <a:p>
             <a:fld id="{F1B46713-EEC7-41C3-A995-44E3FF25267E}" type="datetimeFigureOut">
               <a:rPr lang="pt-BR" smtClean="0"/>
-              <a:t>04/12/2017</a:t>
+              <a:t>05/12/2017</a:t>
             </a:fld>
             <a:endParaRPr lang="pt-BR"/>
           </a:p>
@@ -3322,7 +3323,7 @@
           <a:p>
             <a:fld id="{F1B46713-EEC7-41C3-A995-44E3FF25267E}" type="datetimeFigureOut">
               <a:rPr lang="pt-BR" smtClean="0"/>
-              <a:t>04/12/2017</a:t>
+              <a:t>05/12/2017</a:t>
             </a:fld>
             <a:endParaRPr lang="pt-BR"/>
           </a:p>
@@ -3599,7 +3600,7 @@
           <a:p>
             <a:fld id="{F1B46713-EEC7-41C3-A995-44E3FF25267E}" type="datetimeFigureOut">
               <a:rPr lang="pt-BR" smtClean="0"/>
-              <a:t>04/12/2017</a:t>
+              <a:t>05/12/2017</a:t>
             </a:fld>
             <a:endParaRPr lang="pt-BR"/>
           </a:p>
@@ -3852,7 +3853,7 @@
           <a:p>
             <a:fld id="{F1B46713-EEC7-41C3-A995-44E3FF25267E}" type="datetimeFigureOut">
               <a:rPr lang="pt-BR" smtClean="0"/>
-              <a:t>04/12/2017</a:t>
+              <a:t>05/12/2017</a:t>
             </a:fld>
             <a:endParaRPr lang="pt-BR"/>
           </a:p>
@@ -4065,7 +4066,7 @@
           <a:p>
             <a:fld id="{F1B46713-EEC7-41C3-A995-44E3FF25267E}" type="datetimeFigureOut">
               <a:rPr lang="pt-BR" smtClean="0"/>
-              <a:t>04/12/2017</a:t>
+              <a:t>05/12/2017</a:t>
             </a:fld>
             <a:endParaRPr lang="pt-BR"/>
           </a:p>
@@ -4752,19 +4753,7 @@
             <a:pPr lvl="1"/>
             <a:r>
               <a:rPr lang="pt-BR" dirty="0" smtClean="0"/>
-              <a:t>Sistemas </a:t>
-            </a:r>
-            <a:r>
-              <a:rPr lang="pt-BR" dirty="0" smtClean="0"/>
-              <a:t>de </a:t>
-            </a:r>
-            <a:r>
-              <a:rPr lang="pt-BR" dirty="0" smtClean="0"/>
-              <a:t>evaporação e </a:t>
-            </a:r>
-            <a:r>
-              <a:rPr lang="pt-BR" dirty="0" smtClean="0"/>
-              <a:t>ar secundário</a:t>
+              <a:t>Sistemas de evaporação e ar secundário</a:t>
             </a:r>
           </a:p>
           <a:p>
@@ -6075,13 +6064,7 @@
                         <a:rPr lang="pt-BR" sz="2400" baseline="0" dirty="0" smtClean="0">
                           <a:effectLst/>
                         </a:rPr>
-                        <a:t> </a:t>
-                      </a:r>
-                      <a:r>
-                        <a:rPr lang="pt-BR" sz="2400" baseline="0" dirty="0" smtClean="0">
-                          <a:effectLst/>
-                        </a:rPr>
-                        <a:t>assíncrona (</a:t>
+                        <a:t> assíncrona (</a:t>
                       </a:r>
                       <a:r>
                         <a:rPr lang="pt-BR" sz="2400" dirty="0" smtClean="0">
@@ -6751,15 +6734,7 @@
           <a:p>
             <a:r>
               <a:rPr lang="pt-BR" dirty="0" smtClean="0"/>
-              <a:t>Disponibilizam </a:t>
-            </a:r>
-            <a:r>
-              <a:rPr lang="pt-BR" dirty="0" smtClean="0"/>
-              <a:t>os </a:t>
-            </a:r>
-            <a:r>
-              <a:rPr lang="pt-BR" dirty="0" smtClean="0"/>
-              <a:t>dados da ECU</a:t>
+              <a:t>Disponibilizam os dados da ECU</a:t>
             </a:r>
           </a:p>
           <a:p>
@@ -7829,13 +7804,13 @@
         </p:nvSpPr>
         <p:spPr>
           <a:xfrm>
-            <a:off x="4540593" y="3725606"/>
-            <a:ext cx="3110814" cy="1655762"/>
+            <a:off x="3648332" y="3509963"/>
+            <a:ext cx="4895335" cy="1266568"/>
           </a:xfrm>
         </p:spPr>
         <p:txBody>
           <a:bodyPr>
-            <a:normAutofit fontScale="77500" lnSpcReduction="20000"/>
+            <a:normAutofit fontScale="70000" lnSpcReduction="20000"/>
           </a:bodyPr>
           <a:lstStyle/>
           <a:p>
@@ -7845,15 +7820,7 @@
             </a:pPr>
             <a:r>
               <a:rPr lang="pt-BR" dirty="0" smtClean="0"/>
-              <a:t>Internet das Coisas (</a:t>
-            </a:r>
-            <a:r>
-              <a:rPr lang="pt-BR" dirty="0" err="1" smtClean="0"/>
-              <a:t>IoT</a:t>
-            </a:r>
-            <a:r>
-              <a:rPr lang="pt-BR" dirty="0" smtClean="0"/>
-              <a:t>)</a:t>
+              <a:t>Gestão de Frota de veículos - Pacheco (2016)  </a:t>
             </a:r>
           </a:p>
           <a:p>
@@ -7862,20 +7829,16 @@
               <a:buChar char="§"/>
             </a:pPr>
             <a:r>
+              <a:rPr lang="pt-BR" dirty="0" smtClean="0"/>
+              <a:t>Localização de veículos para </a:t>
+            </a:r>
+            <a:r>
               <a:rPr lang="pt-BR" dirty="0" err="1" smtClean="0"/>
-              <a:t>OnBoard</a:t>
+              <a:t>Android</a:t>
             </a:r>
             <a:r>
               <a:rPr lang="pt-BR" dirty="0" smtClean="0"/>
-              <a:t> </a:t>
-            </a:r>
-            <a:r>
-              <a:rPr lang="pt-BR" dirty="0" err="1" smtClean="0"/>
-              <a:t>Diagnostic</a:t>
-            </a:r>
-            <a:r>
-              <a:rPr lang="pt-BR" dirty="0" smtClean="0"/>
-              <a:t> (OBD)</a:t>
+              <a:t> - Pina (2015)</a:t>
             </a:r>
             <a:endParaRPr lang="pt-BR" dirty="0"/>
           </a:p>
@@ -7886,15 +7849,11 @@
             </a:pPr>
             <a:r>
               <a:rPr lang="pt-BR" dirty="0" err="1" smtClean="0"/>
-              <a:t>Raspberry</a:t>
+              <a:t>Findcar</a:t>
             </a:r>
             <a:r>
               <a:rPr lang="pt-BR" dirty="0" smtClean="0"/>
-              <a:t> </a:t>
-            </a:r>
-            <a:r>
-              <a:rPr lang="pt-BR" dirty="0" err="1" smtClean="0"/>
-              <a:t>Pi</a:t>
+              <a:t> - Baumgarten (2016)</a:t>
             </a:r>
             <a:endParaRPr lang="pt-BR" dirty="0"/>
           </a:p>
@@ -7905,17 +7864,15 @@
             </a:pPr>
             <a:r>
               <a:rPr lang="pt-BR" dirty="0" smtClean="0"/>
-              <a:t>Trabalhos Correlatos</a:t>
-            </a:r>
-          </a:p>
-          <a:p>
-            <a:pPr marL="342900" indent="-342900" algn="l">
-              <a:buFont typeface="Wingdings" panose="05000000000000000000" pitchFamily="2" charset="2"/>
-              <a:buChar char="§"/>
-            </a:pPr>
+              <a:t>OBD-JRP - </a:t>
+            </a:r>
+            <a:r>
+              <a:rPr lang="pt-BR" dirty="0" err="1" smtClean="0"/>
+              <a:t>Staroski</a:t>
+            </a:r>
             <a:r>
               <a:rPr lang="pt-BR" dirty="0" smtClean="0"/>
-              <a:t>Ferramentas Atuais</a:t>
+              <a:t> (2016)</a:t>
             </a:r>
             <a:endParaRPr lang="pt-BR" dirty="0"/>
           </a:p>
@@ -7938,6 +7895,113 @@
       </p:par>
     </p:tnLst>
   </p:timing>
+</p:sld>
+</file>
+
+<file path=ppt/slides/slide18.xml><?xml version="1.0" encoding="utf-8"?>
+<p:sld xmlns:a="http://schemas.openxmlformats.org/drawingml/2006/main" xmlns:r="http://schemas.openxmlformats.org/officeDocument/2006/relationships" xmlns:p="http://schemas.openxmlformats.org/presentationml/2006/main">
+  <p:cSld>
+    <p:spTree>
+      <p:nvGrpSpPr>
+        <p:cNvPr id="1" name=""/>
+        <p:cNvGrpSpPr/>
+        <p:nvPr/>
+      </p:nvGrpSpPr>
+      <p:grpSpPr>
+        <a:xfrm>
+          <a:off x="0" y="0"/>
+          <a:ext cx="0" cy="0"/>
+          <a:chOff x="0" y="0"/>
+          <a:chExt cx="0" cy="0"/>
+        </a:xfrm>
+      </p:grpSpPr>
+      <p:sp>
+        <p:nvSpPr>
+          <p:cNvPr id="2" name="Título 1"/>
+          <p:cNvSpPr>
+            <a:spLocks noGrp="1"/>
+          </p:cNvSpPr>
+          <p:nvPr>
+            <p:ph type="title"/>
+          </p:nvPr>
+        </p:nvSpPr>
+        <p:spPr/>
+        <p:txBody>
+          <a:bodyPr/>
+          <a:lstStyle/>
+          <a:p>
+            <a:r>
+              <a:rPr lang="pt-BR" dirty="0" smtClean="0"/>
+              <a:t>Gestão de Frota de Veículos – Pacheco (2016)</a:t>
+            </a:r>
+            <a:endParaRPr lang="pt-BR" dirty="0"/>
+          </a:p>
+        </p:txBody>
+      </p:sp>
+      <p:sp>
+        <p:nvSpPr>
+          <p:cNvPr id="3" name="Espaço Reservado para Conteúdo 2"/>
+          <p:cNvSpPr>
+            <a:spLocks noGrp="1"/>
+          </p:cNvSpPr>
+          <p:nvPr>
+            <p:ph idx="1"/>
+          </p:nvPr>
+        </p:nvSpPr>
+        <p:spPr>
+          <a:xfrm>
+            <a:off x="838200" y="1825625"/>
+            <a:ext cx="5257800" cy="4351338"/>
+          </a:xfrm>
+        </p:spPr>
+        <p:txBody>
+          <a:bodyPr/>
+          <a:lstStyle/>
+          <a:p>
+            <a:endParaRPr lang="pt-BR" dirty="0"/>
+          </a:p>
+        </p:txBody>
+      </p:sp>
+      <p:pic>
+        <p:nvPicPr>
+          <p:cNvPr id="4" name="Imagem 3"/>
+          <p:cNvPicPr>
+            <a:picLocks noChangeAspect="1"/>
+          </p:cNvPicPr>
+          <p:nvPr/>
+        </p:nvPicPr>
+        <p:blipFill>
+          <a:blip r:embed="rId2"/>
+          <a:stretch>
+            <a:fillRect/>
+          </a:stretch>
+        </p:blipFill>
+        <p:spPr>
+          <a:xfrm>
+            <a:off x="6096000" y="2046809"/>
+            <a:ext cx="5639050" cy="3908969"/>
+          </a:xfrm>
+          <a:prstGeom prst="rect">
+            <a:avLst/>
+          </a:prstGeom>
+          <a:ln>
+            <a:solidFill>
+              <a:schemeClr val="tx1"/>
+            </a:solidFill>
+          </a:ln>
+          <a:effectLst/>
+        </p:spPr>
+      </p:pic>
+    </p:spTree>
+    <p:extLst>
+      <p:ext uri="{BB962C8B-B14F-4D97-AF65-F5344CB8AC3E}">
+        <p14:creationId xmlns:p14="http://schemas.microsoft.com/office/powerpoint/2010/main" val="2305296275"/>
+      </p:ext>
+    </p:extLst>
+  </p:cSld>
+  <p:clrMapOvr>
+    <a:masterClrMapping/>
+  </p:clrMapOvr>
 </p:sld>
 </file>
 
